--- a/ShapeCrawler.Tests/Resource/018.pptx
+++ b/ShapeCrawler.Tests/Resource/018.pptx
@@ -165,7 +165,7 @@
 <file path=ppt/charts/chart1.xml><?xml version="1.0" encoding="utf-8"?>
 <c:chartSpace xmlns:c="http://schemas.openxmlformats.org/drawingml/2006/chart" xmlns:a="http://schemas.openxmlformats.org/drawingml/2006/main" xmlns:r="http://schemas.openxmlformats.org/officeDocument/2006/relationships" xmlns:c16r2="http://schemas.microsoft.com/office/drawing/2015/06/chart">
   <c:date1904 val="0"/>
-  <c:lang val="ru-RU"/>
+  <c:lang val="en-US"/>
   <c:roundedCorners val="0"/>
   <mc:AlternateContent xmlns:mc="http://schemas.openxmlformats.org/markup-compatibility/2006">
     <mc:Choice xmlns:c14="http://schemas.microsoft.com/office/drawing/2007/8/2/chart" Requires="c14">
@@ -232,7 +232,7 @@
               <a:cs typeface="+mn-cs"/>
             </a:defRPr>
           </a:pPr>
-          <a:endParaRPr lang="ru-UA"/>
+          <a:endParaRPr lang="de-DE"/>
         </a:p>
       </c:txPr>
     </c:title>
@@ -529,7 +529,7 @@
                 <a:cs typeface="+mn-cs"/>
               </a:defRPr>
             </a:pPr>
-            <a:endParaRPr lang="ru-UA"/>
+            <a:endParaRPr lang="de-DE"/>
           </a:p>
         </c:txPr>
         <c:crossAx val="1643517760"/>
@@ -588,7 +588,7 @@
                 <a:cs typeface="+mn-cs"/>
               </a:defRPr>
             </a:pPr>
-            <a:endParaRPr lang="ru-UA"/>
+            <a:endParaRPr lang="de-DE"/>
           </a:p>
         </c:txPr>
         <c:crossAx val="1637038384"/>
@@ -630,7 +630,7 @@
               <a:cs typeface="+mn-cs"/>
             </a:defRPr>
           </a:pPr>
-          <a:endParaRPr lang="ru-UA"/>
+          <a:endParaRPr lang="de-DE"/>
         </a:p>
       </c:txPr>
     </c:legend>
@@ -659,7 +659,7 @@
       <a:pPr>
         <a:defRPr/>
       </a:pPr>
-      <a:endParaRPr lang="ru-UA"/>
+      <a:endParaRPr lang="de-DE"/>
     </a:p>
   </c:txPr>
   <c:externalData r:id="rId3">
@@ -1293,7 +1293,7 @@
           <a:p>
             <a:fld id="{56670B4D-EB39-4C23-97CB-D1B229E9FF3C}" type="datetimeFigureOut">
               <a:rPr lang="en-GB" smtClean="0"/>
-              <a:t>22/02/2020</a:t>
+              <a:t>02/10/2022</a:t>
             </a:fld>
             <a:endParaRPr lang="en-GB"/>
           </a:p>
@@ -1458,7 +1458,7 @@
           <a:p>
             <a:fld id="{22B4CA39-064A-468D-A55C-27B86B1D6271}" type="datetimeFigureOut">
               <a:rPr lang="en-US" smtClean="0"/>
-              <a:t>2/22/2020</a:t>
+              <a:t>10/2/2022</a:t>
             </a:fld>
             <a:endParaRPr lang="en-US"/>
           </a:p>
@@ -1855,7 +1855,7 @@
           <a:graphicData uri="http://schemas.openxmlformats.org/presentationml/2006/ole">
             <mc:AlternateContent xmlns:mc="http://schemas.openxmlformats.org/markup-compatibility/2006">
               <mc:Choice xmlns:v="urn:schemas-microsoft-com:vml" Requires="v">
-                <p:oleObj spid="_x0000_s346407" name="think-cell Slide" r:id="rId4" imgW="270" imgH="270" progId="TCLayout.ActiveDocument.1">
+                <p:oleObj spid="_x0000_s346408" name="think-cell Slide" r:id="rId4" imgW="270" imgH="270" progId="TCLayout.ActiveDocument.1">
                   <p:embed/>
                 </p:oleObj>
               </mc:Choice>
@@ -2312,7 +2312,7 @@
           <a:graphicData uri="http://schemas.openxmlformats.org/presentationml/2006/ole">
             <mc:AlternateContent xmlns:mc="http://schemas.openxmlformats.org/markup-compatibility/2006">
               <mc:Choice xmlns:v="urn:schemas-microsoft-com:vml" Requires="v">
-                <p:oleObj spid="_x0000_s309663" name="think-cell Slide" r:id="rId5" imgW="270" imgH="270" progId="TCLayout.ActiveDocument.1">
+                <p:oleObj spid="_x0000_s309664" name="think-cell Slide" r:id="rId5" imgW="270" imgH="270" progId="TCLayout.ActiveDocument.1">
                   <p:embed/>
                 </p:oleObj>
               </mc:Choice>
@@ -2940,7 +2940,7 @@
       </p:grpSpPr>
       <p:pic>
         <p:nvPicPr>
-          <p:cNvPr id="7" name="Picture Placeholder 6"/>
+          <p:cNvPr id="7" name="Picture Placeholder 1"/>
           <p:cNvPicPr>
             <a:picLocks noGrp="1" noChangeAspect="1"/>
           </p:cNvPicPr>
